--- a/files/iswc2016-slide-simple.pptx
+++ b/files/iswc2016-slide-simple.pptx
@@ -206,7 +206,7 @@
             <a:fld id="{1AF85C71-A560-7A40-8B5C-D6A516657F9E}" type="datetimeFigureOut">
               <a:rPr lang="en-US" smtClean="0"/>
               <a:pPr/>
-              <a:t>5/6/16</a:t>
+              <a:t>8/30/16</a:t>
             </a:fld>
             <a:endParaRPr lang="en-US" dirty="0"/>
           </a:p>
@@ -778,7 +778,7 @@
           <a:p>
             <a:fld id="{664A8411-8861-5E4F-9F2E-4971F1EDFC24}" type="datetime1">
               <a:rPr lang="en-US" smtClean="0"/>
-              <a:t>5/6/16</a:t>
+              <a:t>8/30/16</a:t>
             </a:fld>
             <a:endParaRPr lang="en-US"/>
           </a:p>
@@ -948,7 +948,7 @@
           <a:p>
             <a:fld id="{814F84C6-A6A8-414C-96B1-8982F2ABF520}" type="datetime1">
               <a:rPr lang="en-US" smtClean="0"/>
-              <a:t>5/6/16</a:t>
+              <a:t>8/30/16</a:t>
             </a:fld>
             <a:endParaRPr lang="en-US"/>
           </a:p>
@@ -1128,7 +1128,7 @@
           <a:p>
             <a:fld id="{E46C8537-D08C-D24E-92B6-675461031672}" type="datetime1">
               <a:rPr lang="en-US" smtClean="0"/>
-              <a:t>5/6/16</a:t>
+              <a:t>8/30/16</a:t>
             </a:fld>
             <a:endParaRPr lang="en-US"/>
           </a:p>
@@ -1298,7 +1298,7 @@
           <a:p>
             <a:fld id="{48B3EC0D-2F3D-534C-973B-C38512200BBB}" type="datetime1">
               <a:rPr lang="en-US" smtClean="0"/>
-              <a:t>5/6/16</a:t>
+              <a:t>8/30/16</a:t>
             </a:fld>
             <a:endParaRPr lang="en-US"/>
           </a:p>
@@ -1542,7 +1542,7 @@
           <a:p>
             <a:fld id="{885634EA-B61F-C046-87C7-71C4301B410C}" type="datetime1">
               <a:rPr lang="en-US" smtClean="0"/>
-              <a:t>5/6/16</a:t>
+              <a:t>8/30/16</a:t>
             </a:fld>
             <a:endParaRPr lang="en-US"/>
           </a:p>
@@ -1774,7 +1774,7 @@
           <a:p>
             <a:fld id="{5719D08D-5BD1-0041-ABE5-AEF76BACAA0E}" type="datetime1">
               <a:rPr lang="en-US" smtClean="0"/>
-              <a:t>5/6/16</a:t>
+              <a:t>8/30/16</a:t>
             </a:fld>
             <a:endParaRPr lang="en-US"/>
           </a:p>
@@ -2141,7 +2141,7 @@
           <a:p>
             <a:fld id="{9DAF43A4-01F2-A444-A5FB-F792500D4123}" type="datetime1">
               <a:rPr lang="en-US" smtClean="0"/>
-              <a:t>5/6/16</a:t>
+              <a:t>8/30/16</a:t>
             </a:fld>
             <a:endParaRPr lang="en-US"/>
           </a:p>
@@ -2259,7 +2259,7 @@
           <a:p>
             <a:fld id="{ED83109C-97F1-7C4C-B06B-4FE2C0FFF180}" type="datetime1">
               <a:rPr lang="en-US" smtClean="0"/>
-              <a:t>5/6/16</a:t>
+              <a:t>8/30/16</a:t>
             </a:fld>
             <a:endParaRPr lang="en-US"/>
           </a:p>
@@ -2354,7 +2354,7 @@
           <a:p>
             <a:fld id="{819282A0-26FE-DC44-B65A-880A37D1B00A}" type="datetime1">
               <a:rPr lang="en-US" smtClean="0"/>
-              <a:t>5/6/16</a:t>
+              <a:t>8/30/16</a:t>
             </a:fld>
             <a:endParaRPr lang="en-US"/>
           </a:p>
@@ -2631,7 +2631,7 @@
           <a:p>
             <a:fld id="{E64D04AF-C99B-AB44-8ACF-872E02F04CEF}" type="datetime1">
               <a:rPr lang="en-US" smtClean="0"/>
-              <a:t>5/6/16</a:t>
+              <a:t>8/30/16</a:t>
             </a:fld>
             <a:endParaRPr lang="en-US"/>
           </a:p>
@@ -2888,7 +2888,7 @@
           <a:p>
             <a:fld id="{A87DDE37-C006-FC42-8009-FCC76EE2FF58}" type="datetime1">
               <a:rPr lang="en-US" smtClean="0"/>
-              <a:t>5/6/16</a:t>
+              <a:t>8/30/16</a:t>
             </a:fld>
             <a:endParaRPr lang="en-US"/>
           </a:p>
@@ -3103,7 +3103,7 @@
             <a:fld id="{685908FA-48ED-2F41-BD3D-5B20FE759B02}" type="datetime1">
               <a:rPr lang="en-US" smtClean="0"/>
               <a:pPr/>
-              <a:t>5/6/16</a:t>
+              <a:t>8/30/16</a:t>
             </a:fld>
             <a:endParaRPr lang="en-US" dirty="0"/>
           </a:p>
@@ -8721,8 +8721,9 @@
                 <a:p>
                   <a:r>
                     <a:rPr lang="en-US" sz="4286" b="0" dirty="0">
-                      <a:latin typeface="Helvetica Light" charset="0"/>
-                      <a:cs typeface="Helvetica Light" charset="0"/>
+                      <a:latin typeface="Helvetica" charset="0"/>
+                      <a:ea typeface="Helvetica" charset="0"/>
+                      <a:cs typeface="Helvetica" charset="0"/>
                     </a:rPr>
                     <a:t>2 0 1 6</a:t>
                   </a:r>
@@ -10668,9 +10669,9 @@
         <p:grpSpPr>
           <a:xfrm>
             <a:off x="523114" y="363575"/>
-            <a:ext cx="932076" cy="511097"/>
+            <a:ext cx="932076" cy="543755"/>
             <a:chOff x="7389937" y="339511"/>
-            <a:chExt cx="1432897" cy="785718"/>
+            <a:chExt cx="1432897" cy="835924"/>
           </a:xfrm>
         </p:grpSpPr>
         <p:grpSp>
@@ -15024,8 +15025,8 @@
           </p:nvSpPr>
           <p:spPr>
             <a:xfrm>
-              <a:off x="7613305" y="918622"/>
-              <a:ext cx="1026020" cy="206607"/>
+              <a:off x="7613305" y="968827"/>
+              <a:ext cx="1026020" cy="206608"/>
             </a:xfrm>
             <a:prstGeom prst="rect">
               <a:avLst/>
@@ -15052,8 +15053,9 @@
             <a:p>
               <a:r>
                 <a:rPr lang="en-US" sz="4286" b="0" dirty="0">
-                  <a:latin typeface="Helvetica Light" charset="0"/>
-                  <a:cs typeface="Helvetica Light" charset="0"/>
+                  <a:latin typeface="Helvetica" charset="0"/>
+                  <a:ea typeface="Helvetica" charset="0"/>
+                  <a:cs typeface="Helvetica" charset="0"/>
                 </a:rPr>
                 <a:t>2 0 1 6</a:t>
               </a:r>
@@ -22115,8 +22117,9 @@
           <a:p>
             <a:r>
               <a:rPr lang="en-US" sz="4286" b="0" dirty="0">
-                <a:latin typeface="Helvetica Light" charset="0"/>
-                <a:cs typeface="Helvetica Light" charset="0"/>
+                <a:latin typeface="Helvetica" charset="0"/>
+                <a:ea typeface="Helvetica" charset="0"/>
+                <a:cs typeface="Helvetica" charset="0"/>
               </a:rPr>
               <a:t>2 0 1 6</a:t>
             </a:r>
@@ -22291,9 +22294,9 @@
         <p:grpSpPr>
           <a:xfrm>
             <a:off x="7685794" y="408811"/>
-            <a:ext cx="1025720" cy="562446"/>
+            <a:ext cx="1025720" cy="595104"/>
             <a:chOff x="7389937" y="339511"/>
-            <a:chExt cx="1432897" cy="785718"/>
+            <a:chExt cx="1432897" cy="831340"/>
           </a:xfrm>
         </p:grpSpPr>
         <p:grpSp>
@@ -26647,8 +26650,8 @@
           </p:nvSpPr>
           <p:spPr>
             <a:xfrm>
-              <a:off x="7613305" y="918622"/>
-              <a:ext cx="1026020" cy="206607"/>
+              <a:off x="7613305" y="964244"/>
+              <a:ext cx="1026021" cy="206607"/>
             </a:xfrm>
             <a:prstGeom prst="rect">
               <a:avLst/>
@@ -26675,8 +26678,9 @@
             <a:p>
               <a:r>
                 <a:rPr lang="en-US" sz="4286" b="0" dirty="0">
-                  <a:latin typeface="Helvetica Light" charset="0"/>
-                  <a:cs typeface="Helvetica Light" charset="0"/>
+                  <a:latin typeface="Helvetica" charset="0"/>
+                  <a:ea typeface="Helvetica" charset="0"/>
+                  <a:cs typeface="Helvetica" charset="0"/>
                 </a:rPr>
                 <a:t>2 0 1 6</a:t>
               </a:r>
@@ -28285,9 +28289,9 @@
         <p:grpSpPr>
           <a:xfrm>
             <a:off x="5733426" y="1097768"/>
-            <a:ext cx="1255203" cy="611972"/>
+            <a:ext cx="1255203" cy="644630"/>
             <a:chOff x="7389937" y="339511"/>
-            <a:chExt cx="1432897" cy="785718"/>
+            <a:chExt cx="1432897" cy="827648"/>
           </a:xfrm>
         </p:grpSpPr>
         <p:grpSp>
@@ -32641,7 +32645,7 @@
           </p:nvSpPr>
           <p:spPr>
             <a:xfrm>
-              <a:off x="7613305" y="918622"/>
+              <a:off x="7613305" y="960552"/>
               <a:ext cx="1026020" cy="206607"/>
             </a:xfrm>
             <a:prstGeom prst="rect">
@@ -32672,8 +32676,9 @@
                   <a:solidFill>
                     <a:schemeClr val="bg1"/>
                   </a:solidFill>
-                  <a:latin typeface="Helvetica Light" charset="0"/>
-                  <a:cs typeface="Helvetica Light" charset="0"/>
+                  <a:latin typeface="Helvetica" charset="0"/>
+                  <a:ea typeface="Helvetica" charset="0"/>
+                  <a:cs typeface="Helvetica" charset="0"/>
                 </a:rPr>
                 <a:t>2 0 1 6</a:t>
               </a:r>
